--- a/module-1/html-css-casestudy.pptx
+++ b/module-1/html-css-casestudy.pptx
@@ -263,7 +263,7 @@
           <a:p>
             <a:fld id="{DDB361EA-BF8D-47C9-A75E-1C9B5FB0ADF5}" type="datetimeFigureOut">
               <a:rPr lang="en-US" smtClean="0"/>
-              <a:t>8/6/2021</a:t>
+              <a:t>8/14/2021</a:t>
             </a:fld>
             <a:endParaRPr lang="en-US"/>
           </a:p>
@@ -333,6 +333,9 @@
   <p:clrMapOvr>
     <a:masterClrMapping/>
   </p:clrMapOvr>
+  <p:transition spd="slow">
+    <p:cover/>
+  </p:transition>
 </p:sldLayout>
 </file>
 
@@ -461,7 +464,7 @@
           <a:p>
             <a:fld id="{DDB361EA-BF8D-47C9-A75E-1C9B5FB0ADF5}" type="datetimeFigureOut">
               <a:rPr lang="en-US" smtClean="0"/>
-              <a:t>8/6/2021</a:t>
+              <a:t>8/14/2021</a:t>
             </a:fld>
             <a:endParaRPr lang="en-US"/>
           </a:p>
@@ -531,6 +534,9 @@
   <p:clrMapOvr>
     <a:masterClrMapping/>
   </p:clrMapOvr>
+  <p:transition spd="slow">
+    <p:cover/>
+  </p:transition>
 </p:sldLayout>
 </file>
 
@@ -669,7 +675,7 @@
           <a:p>
             <a:fld id="{DDB361EA-BF8D-47C9-A75E-1C9B5FB0ADF5}" type="datetimeFigureOut">
               <a:rPr lang="en-US" smtClean="0"/>
-              <a:t>8/6/2021</a:t>
+              <a:t>8/14/2021</a:t>
             </a:fld>
             <a:endParaRPr lang="en-US"/>
           </a:p>
@@ -739,6 +745,9 @@
   <p:clrMapOvr>
     <a:masterClrMapping/>
   </p:clrMapOvr>
+  <p:transition spd="slow">
+    <p:cover/>
+  </p:transition>
 </p:sldLayout>
 </file>
 
@@ -867,7 +876,7 @@
           <a:p>
             <a:fld id="{DDB361EA-BF8D-47C9-A75E-1C9B5FB0ADF5}" type="datetimeFigureOut">
               <a:rPr lang="en-US" smtClean="0"/>
-              <a:t>8/6/2021</a:t>
+              <a:t>8/14/2021</a:t>
             </a:fld>
             <a:endParaRPr lang="en-US"/>
           </a:p>
@@ -937,6 +946,9 @@
   <p:clrMapOvr>
     <a:masterClrMapping/>
   </p:clrMapOvr>
+  <p:transition spd="slow">
+    <p:cover/>
+  </p:transition>
 </p:sldLayout>
 </file>
 
@@ -1142,7 +1154,7 @@
           <a:p>
             <a:fld id="{DDB361EA-BF8D-47C9-A75E-1C9B5FB0ADF5}" type="datetimeFigureOut">
               <a:rPr lang="en-US" smtClean="0"/>
-              <a:t>8/6/2021</a:t>
+              <a:t>8/14/2021</a:t>
             </a:fld>
             <a:endParaRPr lang="en-US"/>
           </a:p>
@@ -1212,6 +1224,9 @@
   <p:clrMapOvr>
     <a:masterClrMapping/>
   </p:clrMapOvr>
+  <p:transition spd="slow">
+    <p:cover/>
+  </p:transition>
 </p:sldLayout>
 </file>
 
@@ -1407,7 +1422,7 @@
           <a:p>
             <a:fld id="{DDB361EA-BF8D-47C9-A75E-1C9B5FB0ADF5}" type="datetimeFigureOut">
               <a:rPr lang="en-US" smtClean="0"/>
-              <a:t>8/6/2021</a:t>
+              <a:t>8/14/2021</a:t>
             </a:fld>
             <a:endParaRPr lang="en-US"/>
           </a:p>
@@ -1477,6 +1492,9 @@
   <p:clrMapOvr>
     <a:masterClrMapping/>
   </p:clrMapOvr>
+  <p:transition spd="slow">
+    <p:cover/>
+  </p:transition>
 </p:sldLayout>
 </file>
 
@@ -1819,7 +1837,7 @@
           <a:p>
             <a:fld id="{DDB361EA-BF8D-47C9-A75E-1C9B5FB0ADF5}" type="datetimeFigureOut">
               <a:rPr lang="en-US" smtClean="0"/>
-              <a:t>8/6/2021</a:t>
+              <a:t>8/14/2021</a:t>
             </a:fld>
             <a:endParaRPr lang="en-US"/>
           </a:p>
@@ -1889,6 +1907,9 @@
   <p:clrMapOvr>
     <a:masterClrMapping/>
   </p:clrMapOvr>
+  <p:transition spd="slow">
+    <p:cover/>
+  </p:transition>
 </p:sldLayout>
 </file>
 
@@ -1965,7 +1986,7 @@
           <a:p>
             <a:fld id="{DDB361EA-BF8D-47C9-A75E-1C9B5FB0ADF5}" type="datetimeFigureOut">
               <a:rPr lang="en-US" smtClean="0"/>
-              <a:t>8/6/2021</a:t>
+              <a:t>8/14/2021</a:t>
             </a:fld>
             <a:endParaRPr lang="en-US"/>
           </a:p>
@@ -2035,6 +2056,9 @@
   <p:clrMapOvr>
     <a:masterClrMapping/>
   </p:clrMapOvr>
+  <p:transition spd="slow">
+    <p:cover/>
+  </p:transition>
 </p:sldLayout>
 </file>
 
@@ -2078,7 +2102,7 @@
           <a:p>
             <a:fld id="{DDB361EA-BF8D-47C9-A75E-1C9B5FB0ADF5}" type="datetimeFigureOut">
               <a:rPr lang="en-US" smtClean="0"/>
-              <a:t>8/6/2021</a:t>
+              <a:t>8/14/2021</a:t>
             </a:fld>
             <a:endParaRPr lang="en-US"/>
           </a:p>
@@ -2148,6 +2172,9 @@
   <p:clrMapOvr>
     <a:masterClrMapping/>
   </p:clrMapOvr>
+  <p:transition spd="slow">
+    <p:cover/>
+  </p:transition>
 </p:sldLayout>
 </file>
 
@@ -2389,7 +2416,7 @@
           <a:p>
             <a:fld id="{DDB361EA-BF8D-47C9-A75E-1C9B5FB0ADF5}" type="datetimeFigureOut">
               <a:rPr lang="en-US" smtClean="0"/>
-              <a:t>8/6/2021</a:t>
+              <a:t>8/14/2021</a:t>
             </a:fld>
             <a:endParaRPr lang="en-US"/>
           </a:p>
@@ -2459,6 +2486,9 @@
   <p:clrMapOvr>
     <a:masterClrMapping/>
   </p:clrMapOvr>
+  <p:transition spd="slow">
+    <p:cover/>
+  </p:transition>
 </p:sldLayout>
 </file>
 
@@ -2677,7 +2707,7 @@
           <a:p>
             <a:fld id="{DDB361EA-BF8D-47C9-A75E-1C9B5FB0ADF5}" type="datetimeFigureOut">
               <a:rPr lang="en-US" smtClean="0"/>
-              <a:t>8/6/2021</a:t>
+              <a:t>8/14/2021</a:t>
             </a:fld>
             <a:endParaRPr lang="en-US"/>
           </a:p>
@@ -2747,6 +2777,9 @@
   <p:clrMapOvr>
     <a:masterClrMapping/>
   </p:clrMapOvr>
+  <p:transition spd="slow">
+    <p:cover/>
+  </p:transition>
 </p:sldLayout>
 </file>
 
@@ -2970,7 +3003,7 @@
             <a:fld id="{DDB361EA-BF8D-47C9-A75E-1C9B5FB0ADF5}" type="datetimeFigureOut">
               <a:rPr lang="en-US" smtClean="0"/>
               <a:pPr/>
-              <a:t>8/6/2021</a:t>
+              <a:t>8/14/2021</a:t>
             </a:fld>
             <a:endParaRPr lang="en-US" dirty="0"/>
           </a:p>
@@ -3086,6 +3119,9 @@
     <p:sldLayoutId id="2147483658" r:id="rId10"/>
     <p:sldLayoutId id="2147483659" r:id="rId11"/>
   </p:sldLayoutIdLst>
+  <p:transition spd="slow">
+    <p:cover/>
+  </p:transition>
   <p:txStyles>
     <p:titleStyle>
       <a:lvl1pPr algn="l" defTabSz="914400" rtl="0" eaLnBrk="1" latinLnBrk="0" hangingPunct="1">
@@ -3407,8 +3443,8 @@
         </p:nvSpPr>
         <p:spPr>
           <a:xfrm>
-            <a:off x="1524000" y="2272937"/>
-            <a:ext cx="3840480" cy="1237026"/>
+            <a:off x="3010227" y="2587154"/>
+            <a:ext cx="3840480" cy="984068"/>
           </a:xfrm>
         </p:spPr>
         <p:txBody>
@@ -3443,8 +3479,8 @@
         </p:nvSpPr>
         <p:spPr>
           <a:xfrm>
-            <a:off x="1524000" y="3527584"/>
-            <a:ext cx="3840480" cy="447403"/>
+            <a:off x="3010227" y="3588843"/>
+            <a:ext cx="3840480" cy="966446"/>
           </a:xfrm>
         </p:spPr>
         <p:txBody>
@@ -3460,6 +3496,46 @@
           </a:p>
         </p:txBody>
       </p:sp>
+      <p:pic>
+        <p:nvPicPr>
+          <p:cNvPr id="19" name="Picture 18">
+            <a:extLst>
+              <a:ext uri="{FF2B5EF4-FFF2-40B4-BE49-F238E27FC236}">
+                <a16:creationId xmlns:a16="http://schemas.microsoft.com/office/drawing/2014/main" id="{6D7C9DFF-B89E-44F4-BE26-B3151880F50B}"/>
+              </a:ext>
+            </a:extLst>
+          </p:cNvPr>
+          <p:cNvPicPr>
+            <a:picLocks noChangeAspect="1"/>
+          </p:cNvPicPr>
+          <p:nvPr/>
+        </p:nvPicPr>
+        <p:blipFill>
+          <a:blip r:embed="rId2">
+            <a:extLst>
+              <a:ext uri="{28A0092B-C50C-407E-A947-70E740481C1C}">
+                <a14:useLocalDpi xmlns:a14="http://schemas.microsoft.com/office/drawing/2010/main" val="0"/>
+              </a:ext>
+            </a:extLst>
+          </a:blip>
+          <a:stretch>
+            <a:fillRect/>
+          </a:stretch>
+        </p:blipFill>
+        <p:spPr>
+          <a:xfrm>
+            <a:off x="801186" y="2636519"/>
+            <a:ext cx="1869406" cy="1869406"/>
+          </a:xfrm>
+          <a:prstGeom prst="rect">
+            <a:avLst/>
+          </a:prstGeom>
+          <a:scene3d>
+            <a:camera prst="perspectiveHeroicExtremeRightFacing"/>
+            <a:lightRig rig="threePt" dir="t"/>
+          </a:scene3d>
+        </p:spPr>
+      </p:pic>
     </p:spTree>
     <p:extLst>
       <p:ext uri="{BB962C8B-B14F-4D97-AF65-F5344CB8AC3E}">
@@ -3470,6 +3546,9 @@
   <p:clrMapOvr>
     <a:masterClrMapping/>
   </p:clrMapOvr>
+  <p:transition spd="slow">
+    <p:cover/>
+  </p:transition>
 </p:sld>
 </file>
 
@@ -3761,6 +3840,9 @@
   <p:clrMapOvr>
     <a:masterClrMapping/>
   </p:clrMapOvr>
+  <p:transition spd="slow">
+    <p:cover/>
+  </p:transition>
 </p:sld>
 </file>
 
@@ -5545,6 +5627,9 @@
   <p:clrMapOvr>
     <a:masterClrMapping/>
   </p:clrMapOvr>
+  <p:transition spd="slow">
+    <p:cover/>
+  </p:transition>
 </p:sld>
 </file>
 
@@ -5720,6 +5805,9 @@
   <p:clrMapOvr>
     <a:masterClrMapping/>
   </p:clrMapOvr>
+  <p:transition spd="slow">
+    <p:cover/>
+  </p:transition>
 </p:sld>
 </file>
 
@@ -5862,6 +5950,9 @@
   <p:clrMapOvr>
     <a:masterClrMapping/>
   </p:clrMapOvr>
+  <p:transition spd="slow">
+    <p:cover/>
+  </p:transition>
 </p:sld>
 </file>
 
